--- a/Capstone Project - The Battle of Neighborhoods.pptx
+++ b/Capstone Project - The Battle of Neighborhoods.pptx
@@ -299,7 +299,8 @@
           <a:p>
             <a:fld id="{3733F540-5035-4280-BAB8-06D8348F0B0B}" type="datetimeFigureOut">
               <a:rPr lang="en-US" smtClean="0"/>
-              <a:t>8/7/2020</a:t>
+              <a:pPr/>
+              <a:t>8/8/2020</a:t>
             </a:fld>
             <a:endParaRPr lang="en-US"/>
           </a:p>
@@ -341,6 +342,7 @@
           <a:p>
             <a:fld id="{02446553-BB7A-4D72-A650-E5CEAB979D38}" type="slidenum">
               <a:rPr lang="en-US" smtClean="0"/>
+              <a:pPr/>
               <a:t>‹#›</a:t>
             </a:fld>
             <a:endParaRPr lang="en-US"/>
@@ -464,7 +466,8 @@
           <a:p>
             <a:fld id="{3733F540-5035-4280-BAB8-06D8348F0B0B}" type="datetimeFigureOut">
               <a:rPr lang="en-US" smtClean="0"/>
-              <a:t>8/7/2020</a:t>
+              <a:pPr/>
+              <a:t>8/8/2020</a:t>
             </a:fld>
             <a:endParaRPr lang="en-US"/>
           </a:p>
@@ -506,6 +509,7 @@
           <a:p>
             <a:fld id="{02446553-BB7A-4D72-A650-E5CEAB979D38}" type="slidenum">
               <a:rPr lang="en-US" smtClean="0"/>
+              <a:pPr/>
               <a:t>‹#›</a:t>
             </a:fld>
             <a:endParaRPr lang="en-US"/>
@@ -639,7 +643,8 @@
           <a:p>
             <a:fld id="{3733F540-5035-4280-BAB8-06D8348F0B0B}" type="datetimeFigureOut">
               <a:rPr lang="en-US" smtClean="0"/>
-              <a:t>8/7/2020</a:t>
+              <a:pPr/>
+              <a:t>8/8/2020</a:t>
             </a:fld>
             <a:endParaRPr lang="en-US"/>
           </a:p>
@@ -681,6 +686,7 @@
           <a:p>
             <a:fld id="{02446553-BB7A-4D72-A650-E5CEAB979D38}" type="slidenum">
               <a:rPr lang="en-US" smtClean="0"/>
+              <a:pPr/>
               <a:t>‹#›</a:t>
             </a:fld>
             <a:endParaRPr lang="en-US"/>
@@ -804,7 +810,8 @@
           <a:p>
             <a:fld id="{3733F540-5035-4280-BAB8-06D8348F0B0B}" type="datetimeFigureOut">
               <a:rPr lang="en-US" smtClean="0"/>
-              <a:t>8/7/2020</a:t>
+              <a:pPr/>
+              <a:t>8/8/2020</a:t>
             </a:fld>
             <a:endParaRPr lang="en-US"/>
           </a:p>
@@ -846,6 +853,7 @@
           <a:p>
             <a:fld id="{02446553-BB7A-4D72-A650-E5CEAB979D38}" type="slidenum">
               <a:rPr lang="en-US" smtClean="0"/>
+              <a:pPr/>
               <a:t>‹#›</a:t>
             </a:fld>
             <a:endParaRPr lang="en-US"/>
@@ -1046,7 +1054,8 @@
           <a:p>
             <a:fld id="{3733F540-5035-4280-BAB8-06D8348F0B0B}" type="datetimeFigureOut">
               <a:rPr lang="en-US" smtClean="0"/>
-              <a:t>8/7/2020</a:t>
+              <a:pPr/>
+              <a:t>8/8/2020</a:t>
             </a:fld>
             <a:endParaRPr lang="en-US"/>
           </a:p>
@@ -1088,6 +1097,7 @@
           <a:p>
             <a:fld id="{02446553-BB7A-4D72-A650-E5CEAB979D38}" type="slidenum">
               <a:rPr lang="en-US" smtClean="0"/>
+              <a:pPr/>
               <a:t>‹#›</a:t>
             </a:fld>
             <a:endParaRPr lang="en-US"/>
@@ -1310,7 +1320,8 @@
           <a:p>
             <a:fld id="{3733F540-5035-4280-BAB8-06D8348F0B0B}" type="datetimeFigureOut">
               <a:rPr lang="en-US" smtClean="0"/>
-              <a:t>8/7/2020</a:t>
+              <a:pPr/>
+              <a:t>8/8/2020</a:t>
             </a:fld>
             <a:endParaRPr lang="en-US"/>
           </a:p>
@@ -1352,6 +1363,7 @@
           <a:p>
             <a:fld id="{02446553-BB7A-4D72-A650-E5CEAB979D38}" type="slidenum">
               <a:rPr lang="en-US" smtClean="0"/>
+              <a:pPr/>
               <a:t>‹#›</a:t>
             </a:fld>
             <a:endParaRPr lang="en-US"/>
@@ -1688,7 +1700,8 @@
           <a:p>
             <a:fld id="{3733F540-5035-4280-BAB8-06D8348F0B0B}" type="datetimeFigureOut">
               <a:rPr lang="en-US" smtClean="0"/>
-              <a:t>8/7/2020</a:t>
+              <a:pPr/>
+              <a:t>8/8/2020</a:t>
             </a:fld>
             <a:endParaRPr lang="en-US"/>
           </a:p>
@@ -1730,6 +1743,7 @@
           <a:p>
             <a:fld id="{02446553-BB7A-4D72-A650-E5CEAB979D38}" type="slidenum">
               <a:rPr lang="en-US" smtClean="0"/>
+              <a:pPr/>
               <a:t>‹#›</a:t>
             </a:fld>
             <a:endParaRPr lang="en-US"/>
@@ -1838,7 +1852,8 @@
           <a:p>
             <a:fld id="{3733F540-5035-4280-BAB8-06D8348F0B0B}" type="datetimeFigureOut">
               <a:rPr lang="en-US" smtClean="0"/>
-              <a:t>8/7/2020</a:t>
+              <a:pPr/>
+              <a:t>8/8/2020</a:t>
             </a:fld>
             <a:endParaRPr lang="en-US"/>
           </a:p>
@@ -1880,6 +1895,7 @@
           <a:p>
             <a:fld id="{02446553-BB7A-4D72-A650-E5CEAB979D38}" type="slidenum">
               <a:rPr lang="en-US" smtClean="0"/>
+              <a:pPr/>
               <a:t>‹#›</a:t>
             </a:fld>
             <a:endParaRPr lang="en-US"/>
@@ -1928,7 +1944,8 @@
           <a:p>
             <a:fld id="{3733F540-5035-4280-BAB8-06D8348F0B0B}" type="datetimeFigureOut">
               <a:rPr lang="en-US" smtClean="0"/>
-              <a:t>8/7/2020</a:t>
+              <a:pPr/>
+              <a:t>8/8/2020</a:t>
             </a:fld>
             <a:endParaRPr lang="en-US"/>
           </a:p>
@@ -1970,6 +1987,7 @@
           <a:p>
             <a:fld id="{02446553-BB7A-4D72-A650-E5CEAB979D38}" type="slidenum">
               <a:rPr lang="en-US" smtClean="0"/>
+              <a:pPr/>
               <a:t>‹#›</a:t>
             </a:fld>
             <a:endParaRPr lang="en-US"/>
@@ -2189,7 +2207,8 @@
           <a:p>
             <a:fld id="{3733F540-5035-4280-BAB8-06D8348F0B0B}" type="datetimeFigureOut">
               <a:rPr lang="en-US" smtClean="0"/>
-              <a:t>8/7/2020</a:t>
+              <a:pPr/>
+              <a:t>8/8/2020</a:t>
             </a:fld>
             <a:endParaRPr lang="en-US"/>
           </a:p>
@@ -2231,6 +2250,7 @@
           <a:p>
             <a:fld id="{02446553-BB7A-4D72-A650-E5CEAB979D38}" type="slidenum">
               <a:rPr lang="en-US" smtClean="0"/>
+              <a:pPr/>
               <a:t>‹#›</a:t>
             </a:fld>
             <a:endParaRPr lang="en-US"/>
@@ -2477,7 +2497,8 @@
           <a:p>
             <a:fld id="{3733F540-5035-4280-BAB8-06D8348F0B0B}" type="datetimeFigureOut">
               <a:rPr lang="en-US" smtClean="0"/>
-              <a:t>8/7/2020</a:t>
+              <a:pPr/>
+              <a:t>8/8/2020</a:t>
             </a:fld>
             <a:endParaRPr lang="en-US"/>
           </a:p>
@@ -2524,6 +2545,7 @@
           <a:p>
             <a:fld id="{02446553-BB7A-4D72-A650-E5CEAB979D38}" type="slidenum">
               <a:rPr lang="en-US" smtClean="0"/>
+              <a:pPr/>
               <a:t>‹#›</a:t>
             </a:fld>
             <a:endParaRPr lang="en-US"/>
@@ -3248,7 +3270,8 @@
           <a:p>
             <a:fld id="{3733F540-5035-4280-BAB8-06D8348F0B0B}" type="datetimeFigureOut">
               <a:rPr lang="en-US" smtClean="0"/>
-              <a:t>8/7/2020</a:t>
+              <a:pPr/>
+              <a:t>8/8/2020</a:t>
             </a:fld>
             <a:endParaRPr lang="en-US"/>
           </a:p>
@@ -3326,6 +3349,7 @@
           <a:p>
             <a:fld id="{02446553-BB7A-4D72-A650-E5CEAB979D38}" type="slidenum">
               <a:rPr lang="en-US" smtClean="0"/>
+              <a:pPr/>
               <a:t>‹#›</a:t>
             </a:fld>
             <a:endParaRPr lang="en-US"/>
@@ -3952,11 +3976,7 @@
           <a:p>
             <a:r>
               <a:rPr lang="en-US" dirty="0" smtClean="0"/>
-              <a:t>Obtaining coordinates of all </a:t>
-            </a:r>
-            <a:r>
-              <a:rPr lang="en-US" dirty="0" smtClean="0"/>
-              <a:t>the </a:t>
+              <a:t>Obtaining coordinates of all the </a:t>
             </a:r>
             <a:r>
               <a:rPr lang="en-US" dirty="0" err="1" smtClean="0"/>
@@ -5170,11 +5190,7 @@
           <a:p>
             <a:r>
               <a:rPr lang="en-US" dirty="0" smtClean="0"/>
-              <a:t>Data acquisition and </a:t>
-            </a:r>
-            <a:r>
-              <a:rPr lang="en-US" dirty="0" smtClean="0"/>
-              <a:t>cleaning</a:t>
+              <a:t>Data acquisition and cleaning</a:t>
             </a:r>
             <a:endParaRPr lang="en-US" dirty="0"/>
           </a:p>
